--- a/trunk/SSE3/MartinPresentation/SSE3_3.pptx
+++ b/trunk/SSE3/MartinPresentation/SSE3_3.pptx
@@ -5,7 +5,7 @@
     <p:sldMasterId id="2147483648" r:id="rId1"/>
   </p:sldMasterIdLst>
   <p:notesMasterIdLst>
-    <p:notesMasterId r:id="rId21"/>
+    <p:notesMasterId r:id="rId16"/>
   </p:notesMasterIdLst>
   <p:sldIdLst>
     <p:sldId id="256" r:id="rId2"/>
@@ -21,12 +21,7 @@
     <p:sldId id="265" r:id="rId12"/>
     <p:sldId id="286" r:id="rId13"/>
     <p:sldId id="270" r:id="rId14"/>
-    <p:sldId id="279" r:id="rId15"/>
-    <p:sldId id="280" r:id="rId16"/>
-    <p:sldId id="281" r:id="rId17"/>
-    <p:sldId id="282" r:id="rId18"/>
-    <p:sldId id="287" r:id="rId19"/>
-    <p:sldId id="284" r:id="rId20"/>
+    <p:sldId id="284" r:id="rId15"/>
   </p:sldIdLst>
   <p:sldSz cx="9144000" cy="6858000" type="screen4x3"/>
   <p:notesSz cx="6858000" cy="9144000"/>
@@ -211,7 +206,7 @@
             <a:fld id="{2E768AAE-2E88-4F8B-9CD4-9645A80AABDD}" type="datetimeFigureOut">
               <a:rPr lang="da-DK" smtClean="0"/>
               <a:pPr/>
-              <a:t>02-06-2010</a:t>
+              <a:t>25-08-2010</a:t>
             </a:fld>
             <a:endParaRPr lang="en-US"/>
           </a:p>
@@ -1610,140 +1605,6 @@
 </p:notes>
 </file>
 
-<file path=ppt/notesSlides/notesSlide7.xml><?xml version="1.0" encoding="utf-8"?>
-<p:notes xmlns:a="http://schemas.openxmlformats.org/drawingml/2006/main" xmlns:r="http://schemas.openxmlformats.org/officeDocument/2006/relationships" xmlns:p="http://schemas.openxmlformats.org/presentationml/2006/main">
-  <p:cSld>
-    <p:spTree>
-      <p:nvGrpSpPr>
-        <p:cNvPr id="1" name=""/>
-        <p:cNvGrpSpPr/>
-        <p:nvPr/>
-      </p:nvGrpSpPr>
-      <p:grpSpPr>
-        <a:xfrm>
-          <a:off x="0" y="0"/>
-          <a:ext cx="0" cy="0"/>
-          <a:chOff x="0" y="0"/>
-          <a:chExt cx="0" cy="0"/>
-        </a:xfrm>
-      </p:grpSpPr>
-      <p:sp>
-        <p:nvSpPr>
-          <p:cNvPr id="2" name="Pladsholder til diasbillede 1"/>
-          <p:cNvSpPr>
-            <a:spLocks noGrp="1" noRot="1" noChangeAspect="1"/>
-          </p:cNvSpPr>
-          <p:nvPr>
-            <p:ph type="sldImg"/>
-          </p:nvPr>
-        </p:nvSpPr>
-        <p:spPr/>
-      </p:sp>
-      <p:sp>
-        <p:nvSpPr>
-          <p:cNvPr id="3" name="Pladsholder til noter 2"/>
-          <p:cNvSpPr>
-            <a:spLocks noGrp="1"/>
-          </p:cNvSpPr>
-          <p:nvPr>
-            <p:ph type="body" idx="1"/>
-          </p:nvPr>
-        </p:nvSpPr>
-        <p:spPr/>
-        <p:txBody>
-          <a:bodyPr>
-            <a:normAutofit/>
-          </a:bodyPr>
-          <a:lstStyle/>
-          <a:p>
-            <a:r>
-              <a:rPr lang="en-US" dirty="0" err="1" smtClean="0"/>
-              <a:t>Structual</a:t>
-            </a:r>
-            <a:r>
-              <a:rPr lang="en-US" dirty="0" smtClean="0"/>
-              <a:t> service </a:t>
-            </a:r>
-            <a:r>
-              <a:rPr lang="en-US" dirty="0" err="1" smtClean="0"/>
-              <a:t>burde</a:t>
-            </a:r>
-            <a:r>
-              <a:rPr lang="en-US" dirty="0" smtClean="0"/>
-              <a:t> </a:t>
-            </a:r>
-            <a:r>
-              <a:rPr lang="en-US" dirty="0" err="1" smtClean="0"/>
-              <a:t>være</a:t>
-            </a:r>
-            <a:r>
-              <a:rPr lang="en-US" dirty="0" smtClean="0"/>
-              <a:t> link service </a:t>
-            </a:r>
-            <a:r>
-              <a:rPr lang="en-US" dirty="0" err="1" smtClean="0"/>
-              <a:t>har</a:t>
-            </a:r>
-            <a:r>
-              <a:rPr lang="en-US" dirty="0" smtClean="0"/>
-              <a:t> </a:t>
-            </a:r>
-            <a:r>
-              <a:rPr lang="en-US" dirty="0" err="1" smtClean="0"/>
-              <a:t>skrevet</a:t>
-            </a:r>
-            <a:r>
-              <a:rPr lang="en-US" dirty="0" smtClean="0"/>
-              <a:t> </a:t>
-            </a:r>
-            <a:r>
-              <a:rPr lang="en-US" dirty="0" err="1" smtClean="0"/>
-              <a:t>forkert</a:t>
-            </a:r>
-            <a:r>
-              <a:rPr lang="en-US" dirty="0" smtClean="0"/>
-              <a:t> I </a:t>
-            </a:r>
-            <a:r>
-              <a:rPr lang="en-US" smtClean="0"/>
-              <a:t>rapporten</a:t>
-            </a:r>
-            <a:endParaRPr lang="en-US" dirty="0"/>
-          </a:p>
-        </p:txBody>
-      </p:sp>
-      <p:sp>
-        <p:nvSpPr>
-          <p:cNvPr id="4" name="Pladsholder til diasnummer 3"/>
-          <p:cNvSpPr>
-            <a:spLocks noGrp="1"/>
-          </p:cNvSpPr>
-          <p:nvPr>
-            <p:ph type="sldNum" sz="quarter" idx="10"/>
-          </p:nvPr>
-        </p:nvSpPr>
-        <p:spPr/>
-        <p:txBody>
-          <a:bodyPr/>
-          <a:lstStyle/>
-          <a:p>
-            <a:fld id="{87E11D42-F714-42B8-8C22-9CFC5F6ED3A7}" type="slidenum">
-              <a:rPr lang="en-US" smtClean="0"/>
-              <a:pPr/>
-              <a:t>18</a:t>
-            </a:fld>
-            <a:endParaRPr lang="en-US" dirty="0"/>
-          </a:p>
-        </p:txBody>
-      </p:sp>
-    </p:spTree>
-  </p:cSld>
-  <p:clrMapOvr>
-    <a:masterClrMapping/>
-  </p:clrMapOvr>
-</p:notes>
-</file>
-
 <file path=ppt/slideLayouts/slideLayout1.xml><?xml version="1.0" encoding="utf-8"?>
 <p:sldLayout xmlns:a="http://schemas.openxmlformats.org/drawingml/2006/main" xmlns:r="http://schemas.openxmlformats.org/officeDocument/2006/relationships" xmlns:p="http://schemas.openxmlformats.org/presentationml/2006/main" type="title" preserve="1">
   <p:cSld name="Titeldias">
@@ -1926,7 +1787,7 @@
             <a:fld id="{BDCB3884-DFCD-477E-8524-38BA88E3AB0A}" type="datetime1">
               <a:rPr lang="da-DK" smtClean="0"/>
               <a:pPr/>
-              <a:t>02-06-2010</a:t>
+              <a:t>25-08-2010</a:t>
             </a:fld>
             <a:endParaRPr lang="en-US"/>
           </a:p>
@@ -2093,7 +1954,7 @@
             <a:fld id="{F83C97EA-753F-49D2-B09A-1DB7744066A7}" type="datetime1">
               <a:rPr lang="da-DK" smtClean="0"/>
               <a:pPr/>
-              <a:t>02-06-2010</a:t>
+              <a:t>25-08-2010</a:t>
             </a:fld>
             <a:endParaRPr lang="en-US"/>
           </a:p>
@@ -2270,7 +2131,7 @@
             <a:fld id="{CE55F4E6-E86A-48DD-8A27-DE72DD37741F}" type="datetime1">
               <a:rPr lang="da-DK" smtClean="0"/>
               <a:pPr/>
-              <a:t>02-06-2010</a:t>
+              <a:t>25-08-2010</a:t>
             </a:fld>
             <a:endParaRPr lang="en-US"/>
           </a:p>
@@ -2437,7 +2298,7 @@
             <a:fld id="{3592014E-4C94-4486-87B6-6DBF0CF3EDBD}" type="datetime1">
               <a:rPr lang="da-DK" smtClean="0"/>
               <a:pPr/>
-              <a:t>02-06-2010</a:t>
+              <a:t>25-08-2010</a:t>
             </a:fld>
             <a:endParaRPr lang="en-US"/>
           </a:p>
@@ -2680,7 +2541,7 @@
             <a:fld id="{EE731DC7-46A1-4AF5-BFB1-0177D9668F06}" type="datetime1">
               <a:rPr lang="da-DK" smtClean="0"/>
               <a:pPr/>
-              <a:t>02-06-2010</a:t>
+              <a:t>25-08-2010</a:t>
             </a:fld>
             <a:endParaRPr lang="en-US"/>
           </a:p>
@@ -2965,7 +2826,7 @@
             <a:fld id="{ED9A918B-76A2-41C0-A8D5-5BFAB0EE2923}" type="datetime1">
               <a:rPr lang="da-DK" smtClean="0"/>
               <a:pPr/>
-              <a:t>02-06-2010</a:t>
+              <a:t>25-08-2010</a:t>
             </a:fld>
             <a:endParaRPr lang="en-US"/>
           </a:p>
@@ -3384,7 +3245,7 @@
             <a:fld id="{CA5FB4B5-0F83-43CC-84CD-D5E660FBF5C8}" type="datetime1">
               <a:rPr lang="da-DK" smtClean="0"/>
               <a:pPr/>
-              <a:t>02-06-2010</a:t>
+              <a:t>25-08-2010</a:t>
             </a:fld>
             <a:endParaRPr lang="en-US"/>
           </a:p>
@@ -3499,7 +3360,7 @@
             <a:fld id="{EF78C413-F746-43D2-8A1E-A8BFA60E6A43}" type="datetime1">
               <a:rPr lang="da-DK" smtClean="0"/>
               <a:pPr/>
-              <a:t>02-06-2010</a:t>
+              <a:t>25-08-2010</a:t>
             </a:fld>
             <a:endParaRPr lang="en-US"/>
           </a:p>
@@ -3591,7 +3452,7 @@
             <a:fld id="{48C2C0CF-3276-4DBF-8B54-88E218F65761}" type="datetime1">
               <a:rPr lang="da-DK" smtClean="0"/>
               <a:pPr/>
-              <a:t>02-06-2010</a:t>
+              <a:t>25-08-2010</a:t>
             </a:fld>
             <a:endParaRPr lang="en-US"/>
           </a:p>
@@ -3865,7 +3726,7 @@
             <a:fld id="{2DD22012-F4E8-46E5-B92D-1EFF27128427}" type="datetime1">
               <a:rPr lang="da-DK" smtClean="0"/>
               <a:pPr/>
-              <a:t>02-06-2010</a:t>
+              <a:t>25-08-2010</a:t>
             </a:fld>
             <a:endParaRPr lang="en-US"/>
           </a:p>
@@ -4115,7 +3976,7 @@
             <a:fld id="{47915BC5-5DBA-421B-8B85-B724BB4E323A}" type="datetime1">
               <a:rPr lang="da-DK" smtClean="0"/>
               <a:pPr/>
-              <a:t>02-06-2010</a:t>
+              <a:t>25-08-2010</a:t>
             </a:fld>
             <a:endParaRPr lang="en-US"/>
           </a:p>
@@ -4325,7 +4186,7 @@
             <a:fld id="{06D720BD-EEDF-4F07-8FAC-8F912F738675}" type="datetime1">
               <a:rPr lang="da-DK" smtClean="0"/>
               <a:pPr/>
-              <a:t>02-06-2010</a:t>
+              <a:t>25-08-2010</a:t>
             </a:fld>
             <a:endParaRPr lang="en-US"/>
           </a:p>
@@ -4735,20 +4596,6 @@
           <a:bodyPr/>
           <a:lstStyle/>
           <a:p>
-            <a:r>
-              <a:rPr lang="en-US" dirty="0" smtClean="0"/>
-              <a:t>Jens </a:t>
-            </a:r>
-            <a:r>
-              <a:rPr lang="en-US" dirty="0" err="1" smtClean="0"/>
-              <a:t>Bjarke</a:t>
-            </a:r>
-            <a:r>
-              <a:rPr lang="en-US" dirty="0" smtClean="0"/>
-              <a:t> Pedersen</a:t>
-            </a:r>
-          </a:p>
-          <a:p>
             <a:endParaRPr lang="en-US" dirty="0"/>
           </a:p>
         </p:txBody>
@@ -5333,36 +5180,6 @@
       </p:grpSpPr>
       <p:sp>
         <p:nvSpPr>
-          <p:cNvPr id="2" name="Titel 1"/>
-          <p:cNvSpPr>
-            <a:spLocks noGrp="1"/>
-          </p:cNvSpPr>
-          <p:nvPr>
-            <p:ph type="title"/>
-          </p:nvPr>
-        </p:nvSpPr>
-        <p:spPr/>
-        <p:txBody>
-          <a:bodyPr/>
-          <a:lstStyle/>
-          <a:p>
-            <a:pPr lvl="0">
-              <a:defRPr/>
-            </a:pPr>
-            <a:r>
-              <a:rPr lang="da-DK" dirty="0" smtClean="0"/>
-              <a:t>The </a:t>
-            </a:r>
-            <a:r>
-              <a:rPr lang="da-DK" dirty="0" err="1" smtClean="0"/>
-              <a:t>project</a:t>
-            </a:r>
-            <a:endParaRPr lang="da-DK" dirty="0"/>
-          </a:p>
-        </p:txBody>
-      </p:sp>
-      <p:sp>
-        <p:nvSpPr>
           <p:cNvPr id="3" name="Pladsholder til indhold 2"/>
           <p:cNvSpPr>
             <a:spLocks noGrp="1"/>
@@ -5375,59 +5192,6 @@
         <p:txBody>
           <a:bodyPr/>
           <a:lstStyle/>
-          <a:p>
-            <a:pPr lvl="0">
-              <a:buNone/>
-              <a:defRPr/>
-            </a:pPr>
-            <a:r>
-              <a:rPr lang="en-US" dirty="0" smtClean="0"/>
-              <a:t>Motivation:</a:t>
-            </a:r>
-          </a:p>
-          <a:p>
-            <a:pPr lvl="0">
-              <a:defRPr/>
-            </a:pPr>
-            <a:r>
-              <a:rPr lang="en-US" dirty="0" smtClean="0"/>
-              <a:t>Current work flow(Field study of ourselves)</a:t>
-            </a:r>
-          </a:p>
-          <a:p>
-            <a:pPr lvl="0">
-              <a:defRPr/>
-            </a:pPr>
-            <a:endParaRPr lang="en-US" dirty="0" smtClean="0"/>
-          </a:p>
-          <a:p>
-            <a:pPr lvl="0">
-              <a:defRPr/>
-            </a:pPr>
-            <a:endParaRPr lang="en-US" dirty="0" smtClean="0"/>
-          </a:p>
-          <a:p>
-            <a:pPr lvl="0">
-              <a:buNone/>
-              <a:defRPr/>
-            </a:pPr>
-            <a:endParaRPr lang="en-US" dirty="0" smtClean="0"/>
-          </a:p>
-          <a:p>
-            <a:pPr lvl="0">
-              <a:defRPr/>
-            </a:pPr>
-            <a:endParaRPr lang="en-US" dirty="0" smtClean="0"/>
-          </a:p>
-          <a:p>
-            <a:pPr lvl="0">
-              <a:defRPr/>
-            </a:pPr>
-            <a:r>
-              <a:rPr lang="en-US" dirty="0" smtClean="0"/>
-              <a:t>Split into three phases</a:t>
-            </a:r>
-          </a:p>
           <a:p>
             <a:endParaRPr lang="en-US" dirty="0"/>
           </a:p>
@@ -5460,272 +5224,6 @@
       <p:sp>
         <p:nvSpPr>
           <p:cNvPr id="5" name="Titel 1"/>
-          <p:cNvSpPr txBox="1">
-            <a:spLocks/>
-          </p:cNvSpPr>
-          <p:nvPr/>
-        </p:nvSpPr>
-        <p:spPr>
-          <a:xfrm>
-            <a:off x="500034" y="714356"/>
-            <a:ext cx="8229600" cy="1143000"/>
-          </a:xfrm>
-          <a:prstGeom prst="rect">
-            <a:avLst/>
-          </a:prstGeom>
-        </p:spPr>
-        <p:txBody>
-          <a:bodyPr vert="horz" lIns="91440" tIns="45720" rIns="91440" bIns="45720" rtlCol="0" anchor="ctr">
-            <a:normAutofit/>
-          </a:bodyPr>
-          <a:lstStyle/>
-          <a:p>
-            <a:pPr marL="0" marR="0" lvl="0" indent="0" algn="ctr" defTabSz="914400" rtl="0" eaLnBrk="1" fontAlgn="auto" latinLnBrk="0" hangingPunct="1">
-              <a:lnSpc>
-                <a:spcPct val="100000"/>
-              </a:lnSpc>
-              <a:spcBef>
-                <a:spcPct val="0"/>
-              </a:spcBef>
-              <a:spcAft>
-                <a:spcPts val="0"/>
-              </a:spcAft>
-              <a:buClrTx/>
-              <a:buSzTx/>
-              <a:buFontTx/>
-              <a:buNone/>
-              <a:tabLst/>
-              <a:defRPr/>
-            </a:pPr>
-            <a:endParaRPr kumimoji="0" lang="da-DK" sz="4400" b="0" i="0" u="none" strike="noStrike" kern="1200" cap="none" spc="0" normalizeH="0" baseline="0" noProof="0" dirty="0">
-              <a:ln>
-                <a:noFill/>
-              </a:ln>
-              <a:solidFill>
-                <a:schemeClr val="tx1"/>
-              </a:solidFill>
-              <a:effectLst/>
-              <a:uLnTx/>
-              <a:uFillTx/>
-              <a:latin typeface="+mj-lt"/>
-              <a:ea typeface="+mj-ea"/>
-              <a:cs typeface="+mj-cs"/>
-            </a:endParaRPr>
-          </a:p>
-        </p:txBody>
-      </p:sp>
-      <p:sp>
-        <p:nvSpPr>
-          <p:cNvPr id="7" name="Pladsholder til diasnummer 3"/>
-          <p:cNvSpPr txBox="1">
-            <a:spLocks/>
-          </p:cNvSpPr>
-          <p:nvPr/>
-        </p:nvSpPr>
-        <p:spPr>
-          <a:xfrm>
-            <a:off x="6553200" y="6356350"/>
-            <a:ext cx="2133600" cy="365125"/>
-          </a:xfrm>
-          <a:prstGeom prst="rect">
-            <a:avLst/>
-          </a:prstGeom>
-        </p:spPr>
-        <p:txBody>
-          <a:bodyPr vert="horz" lIns="91440" tIns="45720" rIns="91440" bIns="45720" rtlCol="0" anchor="ctr"/>
-          <a:lstStyle/>
-          <a:p>
-            <a:pPr marL="0" marR="0" lvl="0" indent="0" algn="r" defTabSz="914400" rtl="0" eaLnBrk="1" fontAlgn="auto" latinLnBrk="0" hangingPunct="1">
-              <a:lnSpc>
-                <a:spcPct val="100000"/>
-              </a:lnSpc>
-              <a:spcBef>
-                <a:spcPts val="0"/>
-              </a:spcBef>
-              <a:spcAft>
-                <a:spcPts val="0"/>
-              </a:spcAft>
-              <a:buClrTx/>
-              <a:buSzTx/>
-              <a:buFontTx/>
-              <a:buNone/>
-              <a:tabLst/>
-              <a:defRPr/>
-            </a:pPr>
-            <a:fld id="{F1CA7332-4DAA-4DA0-A413-9D9496445191}" type="slidenum">
-              <a:rPr kumimoji="0" lang="da-DK" sz="1200" b="0" i="0" u="none" strike="noStrike" kern="1200" cap="none" spc="0" normalizeH="0" baseline="0" noProof="0" smtClean="0">
-                <a:ln>
-                  <a:noFill/>
-                </a:ln>
-                <a:solidFill>
-                  <a:schemeClr val="tx1">
-                    <a:tint val="75000"/>
-                  </a:schemeClr>
-                </a:solidFill>
-                <a:effectLst/>
-                <a:uLnTx/>
-                <a:uFillTx/>
-                <a:latin typeface="+mn-lt"/>
-                <a:ea typeface="+mn-ea"/>
-                <a:cs typeface="+mn-cs"/>
-              </a:rPr>
-              <a:pPr marL="0" marR="0" lvl="0" indent="0" algn="r" defTabSz="914400" rtl="0" eaLnBrk="1" fontAlgn="auto" latinLnBrk="0" hangingPunct="1">
-                <a:lnSpc>
-                  <a:spcPct val="100000"/>
-                </a:lnSpc>
-                <a:spcBef>
-                  <a:spcPts val="0"/>
-                </a:spcBef>
-                <a:spcAft>
-                  <a:spcPts val="0"/>
-                </a:spcAft>
-                <a:buClrTx/>
-                <a:buSzTx/>
-                <a:buFontTx/>
-                <a:buNone/>
-                <a:tabLst/>
-                <a:defRPr/>
-              </a:pPr>
-              <a:t>14</a:t>
-            </a:fld>
-            <a:endParaRPr kumimoji="0" lang="da-DK" sz="1200" b="0" i="0" u="none" strike="noStrike" kern="1200" cap="none" spc="0" normalizeH="0" baseline="0" noProof="0">
-              <a:ln>
-                <a:noFill/>
-              </a:ln>
-              <a:solidFill>
-                <a:schemeClr val="tx1">
-                  <a:tint val="75000"/>
-                </a:schemeClr>
-              </a:solidFill>
-              <a:effectLst/>
-              <a:uLnTx/>
-              <a:uFillTx/>
-              <a:latin typeface="+mn-lt"/>
-              <a:ea typeface="+mn-ea"/>
-              <a:cs typeface="+mn-cs"/>
-            </a:endParaRPr>
-          </a:p>
-        </p:txBody>
-      </p:sp>
-      <p:pic>
-        <p:nvPicPr>
-          <p:cNvPr id="8" name="Picture 1" descr="C:\Users\Bjarke\Desktop\SSE3\Report\pictures\3arease.jpg"/>
-          <p:cNvPicPr>
-            <a:picLocks noChangeAspect="1" noChangeArrowheads="1"/>
-          </p:cNvPicPr>
-          <p:nvPr/>
-        </p:nvPicPr>
-        <p:blipFill>
-          <a:blip r:embed="rId2" cstate="print"/>
-          <a:srcRect/>
-          <a:stretch>
-            <a:fillRect/>
-          </a:stretch>
-        </p:blipFill>
-        <p:spPr bwMode="auto">
-          <a:xfrm>
-            <a:off x="1857356" y="5598064"/>
-            <a:ext cx="5465746" cy="1259960"/>
-          </a:xfrm>
-          <a:prstGeom prst="rect">
-            <a:avLst/>
-          </a:prstGeom>
-          <a:noFill/>
-        </p:spPr>
-      </p:pic>
-      <p:pic>
-        <p:nvPicPr>
-          <p:cNvPr id="9" name="Picture 1" descr="C:\Users\Bjarke\Desktop\SSE3\Report\pictures\Workflow.jpg"/>
-          <p:cNvPicPr>
-            <a:picLocks noChangeAspect="1" noChangeArrowheads="1"/>
-          </p:cNvPicPr>
-          <p:nvPr/>
-        </p:nvPicPr>
-        <p:blipFill>
-          <a:blip r:embed="rId3" cstate="print"/>
-          <a:srcRect/>
-          <a:stretch>
-            <a:fillRect/>
-          </a:stretch>
-        </p:blipFill>
-        <p:spPr bwMode="auto">
-          <a:xfrm>
-            <a:off x="71406" y="3041828"/>
-            <a:ext cx="9001188" cy="1958808"/>
-          </a:xfrm>
-          <a:prstGeom prst="rect">
-            <a:avLst/>
-          </a:prstGeom>
-          <a:noFill/>
-        </p:spPr>
-      </p:pic>
-    </p:spTree>
-  </p:cSld>
-  <p:clrMapOvr>
-    <a:masterClrMapping/>
-  </p:clrMapOvr>
-  <p:timing>
-    <p:tnLst>
-      <p:par>
-        <p:cTn id="1" dur="indefinite" restart="never" nodeType="tmRoot"/>
-      </p:par>
-    </p:tnLst>
-  </p:timing>
-</p:sld>
-</file>
-
-<file path=ppt/slides/slide15.xml><?xml version="1.0" encoding="utf-8"?>
-<p:sld xmlns:a="http://schemas.openxmlformats.org/drawingml/2006/main" xmlns:r="http://schemas.openxmlformats.org/officeDocument/2006/relationships" xmlns:p="http://schemas.openxmlformats.org/presentationml/2006/main">
-  <p:cSld>
-    <p:spTree>
-      <p:nvGrpSpPr>
-        <p:cNvPr id="1" name=""/>
-        <p:cNvGrpSpPr/>
-        <p:nvPr/>
-      </p:nvGrpSpPr>
-      <p:grpSpPr>
-        <a:xfrm>
-          <a:off x="0" y="0"/>
-          <a:ext cx="0" cy="0"/>
-          <a:chOff x="0" y="0"/>
-          <a:chExt cx="0" cy="0"/>
-        </a:xfrm>
-      </p:grpSpPr>
-      <p:pic>
-        <p:nvPicPr>
-          <p:cNvPr id="55299" name="Picture 3"/>
-          <p:cNvPicPr>
-            <a:picLocks noChangeAspect="1" noChangeArrowheads="1"/>
-          </p:cNvPicPr>
-          <p:nvPr/>
-        </p:nvPicPr>
-        <p:blipFill>
-          <a:blip r:embed="rId2" cstate="print"/>
-          <a:srcRect/>
-          <a:stretch>
-            <a:fillRect/>
-          </a:stretch>
-        </p:blipFill>
-        <p:spPr bwMode="auto">
-          <a:xfrm>
-            <a:off x="3933847" y="3946750"/>
-            <a:ext cx="5210185" cy="2696960"/>
-          </a:xfrm>
-          <a:prstGeom prst="rect">
-            <a:avLst/>
-          </a:prstGeom>
-          <a:noFill/>
-          <a:ln w="9525">
-            <a:noFill/>
-            <a:miter lim="800000"/>
-            <a:headEnd/>
-            <a:tailEnd/>
-          </a:ln>
-        </p:spPr>
-      </p:pic>
-      <p:sp>
-        <p:nvSpPr>
-          <p:cNvPr id="2" name="Titel 1"/>
           <p:cNvSpPr>
             <a:spLocks noGrp="1"/>
           </p:cNvSpPr>
@@ -5748,672 +5246,6 @@
           </a:p>
         </p:txBody>
       </p:sp>
-      <p:sp>
-        <p:nvSpPr>
-          <p:cNvPr id="3" name="Pladsholder til indhold 2"/>
-          <p:cNvSpPr>
-            <a:spLocks noGrp="1"/>
-          </p:cNvSpPr>
-          <p:nvPr>
-            <p:ph idx="1"/>
-          </p:nvPr>
-        </p:nvSpPr>
-        <p:spPr>
-          <a:xfrm>
-            <a:off x="457200" y="1600200"/>
-            <a:ext cx="8229600" cy="5043510"/>
-          </a:xfrm>
-        </p:spPr>
-        <p:txBody>
-          <a:bodyPr>
-            <a:normAutofit/>
-          </a:bodyPr>
-          <a:lstStyle/>
-          <a:p>
-            <a:pPr>
-              <a:buNone/>
-            </a:pPr>
-            <a:r>
-              <a:rPr lang="en-US" dirty="0" smtClean="0"/>
-              <a:t>Overview:</a:t>
-            </a:r>
-          </a:p>
-          <a:p>
-            <a:r>
-              <a:rPr lang="en-US" dirty="0" smtClean="0"/>
-              <a:t>Knowledge management system</a:t>
-            </a:r>
-          </a:p>
-          <a:p>
-            <a:pPr lvl="1"/>
-            <a:r>
-              <a:rPr lang="en-US" dirty="0" smtClean="0"/>
-              <a:t>Reusing existing knowledge, Organize knowledge in projects, sharing knowledge</a:t>
-            </a:r>
-          </a:p>
-          <a:p>
-            <a:pPr>
-              <a:buNone/>
-            </a:pPr>
-            <a:endParaRPr lang="en-US" dirty="0" smtClean="0"/>
-          </a:p>
-          <a:p>
-            <a:endParaRPr lang="en-US" dirty="0"/>
-          </a:p>
-        </p:txBody>
-      </p:sp>
-      <p:sp>
-        <p:nvSpPr>
-          <p:cNvPr id="4" name="Pladsholder til diasnummer 3"/>
-          <p:cNvSpPr>
-            <a:spLocks noGrp="1"/>
-          </p:cNvSpPr>
-          <p:nvPr>
-            <p:ph type="sldNum" sz="quarter" idx="12"/>
-          </p:nvPr>
-        </p:nvSpPr>
-        <p:spPr/>
-        <p:txBody>
-          <a:bodyPr/>
-          <a:lstStyle/>
-          <a:p>
-            <a:fld id="{F1CA7332-4DAA-4DA0-A413-9D9496445191}" type="slidenum">
-              <a:rPr lang="da-DK" smtClean="0"/>
-              <a:pPr/>
-              <a:t>15</a:t>
-            </a:fld>
-            <a:endParaRPr lang="da-DK"/>
-          </a:p>
-        </p:txBody>
-      </p:sp>
-      <p:pic>
-        <p:nvPicPr>
-          <p:cNvPr id="55298" name="Picture 2"/>
-          <p:cNvPicPr>
-            <a:picLocks noChangeAspect="1" noChangeArrowheads="1"/>
-          </p:cNvPicPr>
-          <p:nvPr/>
-        </p:nvPicPr>
-        <p:blipFill>
-          <a:blip r:embed="rId3" cstate="print"/>
-          <a:srcRect/>
-          <a:stretch>
-            <a:fillRect/>
-          </a:stretch>
-        </p:blipFill>
-        <p:spPr bwMode="auto">
-          <a:xfrm>
-            <a:off x="571472" y="4362460"/>
-            <a:ext cx="2386940" cy="1495432"/>
-          </a:xfrm>
-          <a:prstGeom prst="rect">
-            <a:avLst/>
-          </a:prstGeom>
-          <a:noFill/>
-          <a:ln w="9525">
-            <a:noFill/>
-            <a:miter lim="800000"/>
-            <a:headEnd/>
-            <a:tailEnd/>
-          </a:ln>
-        </p:spPr>
-      </p:pic>
-    </p:spTree>
-  </p:cSld>
-  <p:clrMapOvr>
-    <a:masterClrMapping/>
-  </p:clrMapOvr>
-  <p:timing>
-    <p:tnLst>
-      <p:par>
-        <p:cTn id="1" dur="indefinite" restart="never" nodeType="tmRoot"/>
-      </p:par>
-    </p:tnLst>
-  </p:timing>
-</p:sld>
-</file>
-
-<file path=ppt/slides/slide16.xml><?xml version="1.0" encoding="utf-8"?>
-<p:sld xmlns:a="http://schemas.openxmlformats.org/drawingml/2006/main" xmlns:r="http://schemas.openxmlformats.org/officeDocument/2006/relationships" xmlns:p="http://schemas.openxmlformats.org/presentationml/2006/main">
-  <p:cSld>
-    <p:spTree>
-      <p:nvGrpSpPr>
-        <p:cNvPr id="1" name=""/>
-        <p:cNvGrpSpPr/>
-        <p:nvPr/>
-      </p:nvGrpSpPr>
-      <p:grpSpPr>
-        <a:xfrm>
-          <a:off x="0" y="0"/>
-          <a:ext cx="0" cy="0"/>
-          <a:chOff x="0" y="0"/>
-          <a:chExt cx="0" cy="0"/>
-        </a:xfrm>
-      </p:grpSpPr>
-      <p:sp>
-        <p:nvSpPr>
-          <p:cNvPr id="2" name="Titel 1"/>
-          <p:cNvSpPr>
-            <a:spLocks noGrp="1"/>
-          </p:cNvSpPr>
-          <p:nvPr>
-            <p:ph type="title"/>
-          </p:nvPr>
-        </p:nvSpPr>
-        <p:spPr/>
-        <p:txBody>
-          <a:bodyPr/>
-          <a:lstStyle/>
-          <a:p>
-            <a:r>
-              <a:rPr lang="en-US" dirty="0" smtClean="0"/>
-              <a:t>The project</a:t>
-            </a:r>
-            <a:endParaRPr lang="en-US" dirty="0"/>
-          </a:p>
-        </p:txBody>
-      </p:sp>
-      <p:sp>
-        <p:nvSpPr>
-          <p:cNvPr id="3" name="Pladsholder til indhold 2"/>
-          <p:cNvSpPr>
-            <a:spLocks noGrp="1"/>
-          </p:cNvSpPr>
-          <p:nvPr>
-            <p:ph idx="1"/>
-          </p:nvPr>
-        </p:nvSpPr>
-        <p:spPr/>
-        <p:txBody>
-          <a:bodyPr/>
-          <a:lstStyle/>
-          <a:p>
-            <a:pPr>
-              <a:buNone/>
-            </a:pPr>
-            <a:r>
-              <a:rPr lang="en-US" dirty="0" smtClean="0"/>
-              <a:t>Overview:</a:t>
-            </a:r>
-          </a:p>
-          <a:p>
-            <a:r>
-              <a:rPr lang="en-US" dirty="0" smtClean="0"/>
-              <a:t>Hypertext concepts</a:t>
-            </a:r>
-          </a:p>
-          <a:p>
-            <a:pPr lvl="1"/>
-            <a:r>
-              <a:rPr lang="en-US" dirty="0" smtClean="0"/>
-              <a:t>Links, anchors, different structures of information</a:t>
-            </a:r>
-          </a:p>
-          <a:p>
-            <a:pPr>
-              <a:buNone/>
-            </a:pPr>
-            <a:endParaRPr lang="en-US" dirty="0" smtClean="0"/>
-          </a:p>
-          <a:p>
-            <a:endParaRPr lang="en-US" dirty="0"/>
-          </a:p>
-        </p:txBody>
-      </p:sp>
-      <p:sp>
-        <p:nvSpPr>
-          <p:cNvPr id="4" name="Pladsholder til diasnummer 3"/>
-          <p:cNvSpPr>
-            <a:spLocks noGrp="1"/>
-          </p:cNvSpPr>
-          <p:nvPr>
-            <p:ph type="sldNum" sz="quarter" idx="12"/>
-          </p:nvPr>
-        </p:nvSpPr>
-        <p:spPr/>
-        <p:txBody>
-          <a:bodyPr/>
-          <a:lstStyle/>
-          <a:p>
-            <a:fld id="{F1CA7332-4DAA-4DA0-A413-9D9496445191}" type="slidenum">
-              <a:rPr lang="da-DK" smtClean="0"/>
-              <a:pPr/>
-              <a:t>16</a:t>
-            </a:fld>
-            <a:endParaRPr lang="da-DK"/>
-          </a:p>
-        </p:txBody>
-      </p:sp>
-      <p:pic>
-        <p:nvPicPr>
-          <p:cNvPr id="56322" name="Picture 2" descr="C:\Users\Bjarke\Desktop\SSE3\Report\pictures\metaLink.jpg"/>
-          <p:cNvPicPr>
-            <a:picLocks noChangeAspect="1" noChangeArrowheads="1"/>
-          </p:cNvPicPr>
-          <p:nvPr/>
-        </p:nvPicPr>
-        <p:blipFill>
-          <a:blip r:embed="rId2" cstate="print"/>
-          <a:srcRect/>
-          <a:stretch>
-            <a:fillRect/>
-          </a:stretch>
-        </p:blipFill>
-        <p:spPr bwMode="auto">
-          <a:xfrm>
-            <a:off x="1285852" y="3786190"/>
-            <a:ext cx="6586556" cy="2853114"/>
-          </a:xfrm>
-          <a:prstGeom prst="rect">
-            <a:avLst/>
-          </a:prstGeom>
-          <a:noFill/>
-        </p:spPr>
-      </p:pic>
-    </p:spTree>
-  </p:cSld>
-  <p:clrMapOvr>
-    <a:masterClrMapping/>
-  </p:clrMapOvr>
-  <p:timing>
-    <p:tnLst>
-      <p:par>
-        <p:cTn id="1" dur="indefinite" restart="never" nodeType="tmRoot"/>
-      </p:par>
-    </p:tnLst>
-  </p:timing>
-</p:sld>
-</file>
-
-<file path=ppt/slides/slide17.xml><?xml version="1.0" encoding="utf-8"?>
-<p:sld xmlns:a="http://schemas.openxmlformats.org/drawingml/2006/main" xmlns:r="http://schemas.openxmlformats.org/officeDocument/2006/relationships" xmlns:p="http://schemas.openxmlformats.org/presentationml/2006/main">
-  <p:cSld>
-    <p:spTree>
-      <p:nvGrpSpPr>
-        <p:cNvPr id="1" name=""/>
-        <p:cNvGrpSpPr/>
-        <p:nvPr/>
-      </p:nvGrpSpPr>
-      <p:grpSpPr>
-        <a:xfrm>
-          <a:off x="0" y="0"/>
-          <a:ext cx="0" cy="0"/>
-          <a:chOff x="0" y="0"/>
-          <a:chExt cx="0" cy="0"/>
-        </a:xfrm>
-      </p:grpSpPr>
-      <p:sp>
-        <p:nvSpPr>
-          <p:cNvPr id="2" name="Titel 1"/>
-          <p:cNvSpPr>
-            <a:spLocks noGrp="1"/>
-          </p:cNvSpPr>
-          <p:nvPr>
-            <p:ph type="title"/>
-          </p:nvPr>
-        </p:nvSpPr>
-        <p:spPr/>
-        <p:txBody>
-          <a:bodyPr/>
-          <a:lstStyle/>
-          <a:p>
-            <a:r>
-              <a:rPr lang="en-US" dirty="0" smtClean="0"/>
-              <a:t>The project</a:t>
-            </a:r>
-            <a:endParaRPr lang="en-US" dirty="0"/>
-          </a:p>
-        </p:txBody>
-      </p:sp>
-      <p:sp>
-        <p:nvSpPr>
-          <p:cNvPr id="3" name="Pladsholder til indhold 2"/>
-          <p:cNvSpPr>
-            <a:spLocks noGrp="1"/>
-          </p:cNvSpPr>
-          <p:nvPr>
-            <p:ph idx="1"/>
-          </p:nvPr>
-        </p:nvSpPr>
-        <p:spPr/>
-        <p:txBody>
-          <a:bodyPr/>
-          <a:lstStyle/>
-          <a:p>
-            <a:pPr>
-              <a:buNone/>
-            </a:pPr>
-            <a:r>
-              <a:rPr lang="en-US" dirty="0" smtClean="0"/>
-              <a:t>Overview</a:t>
-            </a:r>
-          </a:p>
-          <a:p>
-            <a:r>
-              <a:rPr lang="en-US" dirty="0" smtClean="0"/>
-              <a:t>Computer supported cooperative work</a:t>
-            </a:r>
-          </a:p>
-          <a:p>
-            <a:pPr lvl="1"/>
-            <a:r>
-              <a:rPr lang="en-US" dirty="0" smtClean="0"/>
-              <a:t>Planning, Shared information space, asynchronous cooperation on documents</a:t>
-            </a:r>
-          </a:p>
-          <a:p>
-            <a:endParaRPr lang="en-US" dirty="0"/>
-          </a:p>
-        </p:txBody>
-      </p:sp>
-      <p:sp>
-        <p:nvSpPr>
-          <p:cNvPr id="4" name="Pladsholder til diasnummer 3"/>
-          <p:cNvSpPr>
-            <a:spLocks noGrp="1"/>
-          </p:cNvSpPr>
-          <p:nvPr>
-            <p:ph type="sldNum" sz="quarter" idx="12"/>
-          </p:nvPr>
-        </p:nvSpPr>
-        <p:spPr/>
-        <p:txBody>
-          <a:bodyPr/>
-          <a:lstStyle/>
-          <a:p>
-            <a:fld id="{F1CA7332-4DAA-4DA0-A413-9D9496445191}" type="slidenum">
-              <a:rPr lang="da-DK" smtClean="0"/>
-              <a:pPr/>
-              <a:t>17</a:t>
-            </a:fld>
-            <a:endParaRPr lang="da-DK"/>
-          </a:p>
-        </p:txBody>
-      </p:sp>
-      <p:pic>
-        <p:nvPicPr>
-          <p:cNvPr id="5" name="Picture 2" descr="C:\Users\Bjarke\Desktop\SSE3\Report\pictures\SIP.jpg"/>
-          <p:cNvPicPr>
-            <a:picLocks noChangeAspect="1" noChangeArrowheads="1"/>
-          </p:cNvPicPr>
-          <p:nvPr/>
-        </p:nvPicPr>
-        <p:blipFill>
-          <a:blip r:embed="rId2" cstate="print"/>
-          <a:srcRect/>
-          <a:stretch>
-            <a:fillRect/>
-          </a:stretch>
-        </p:blipFill>
-        <p:spPr bwMode="auto">
-          <a:xfrm>
-            <a:off x="2214546" y="3929066"/>
-            <a:ext cx="4572033" cy="2673589"/>
-          </a:xfrm>
-          <a:prstGeom prst="rect">
-            <a:avLst/>
-          </a:prstGeom>
-          <a:noFill/>
-        </p:spPr>
-      </p:pic>
-    </p:spTree>
-  </p:cSld>
-  <p:clrMapOvr>
-    <a:masterClrMapping/>
-  </p:clrMapOvr>
-  <p:timing>
-    <p:tnLst>
-      <p:par>
-        <p:cTn id="1" dur="indefinite" restart="never" nodeType="tmRoot"/>
-      </p:par>
-    </p:tnLst>
-  </p:timing>
-</p:sld>
-</file>
-
-<file path=ppt/slides/slide18.xml><?xml version="1.0" encoding="utf-8"?>
-<p:sld xmlns:a="http://schemas.openxmlformats.org/drawingml/2006/main" xmlns:r="http://schemas.openxmlformats.org/officeDocument/2006/relationships" xmlns:p="http://schemas.openxmlformats.org/presentationml/2006/main">
-  <p:cSld>
-    <p:spTree>
-      <p:nvGrpSpPr>
-        <p:cNvPr id="1" name=""/>
-        <p:cNvGrpSpPr/>
-        <p:nvPr/>
-      </p:nvGrpSpPr>
-      <p:grpSpPr>
-        <a:xfrm>
-          <a:off x="0" y="0"/>
-          <a:ext cx="0" cy="0"/>
-          <a:chOff x="0" y="0"/>
-          <a:chExt cx="0" cy="0"/>
-        </a:xfrm>
-      </p:grpSpPr>
-      <p:pic>
-        <p:nvPicPr>
-          <p:cNvPr id="1026" name="Picture 2" descr="C:\Users\Bjarke\Desktop\arch.jpg"/>
-          <p:cNvPicPr>
-            <a:picLocks noChangeAspect="1" noChangeArrowheads="1"/>
-          </p:cNvPicPr>
-          <p:nvPr/>
-        </p:nvPicPr>
-        <p:blipFill>
-          <a:blip r:embed="rId3" cstate="print"/>
-          <a:srcRect/>
-          <a:stretch>
-            <a:fillRect/>
-          </a:stretch>
-        </p:blipFill>
-        <p:spPr bwMode="auto">
-          <a:xfrm>
-            <a:off x="285720" y="1785926"/>
-            <a:ext cx="8649301" cy="4986317"/>
-          </a:xfrm>
-          <a:prstGeom prst="rect">
-            <a:avLst/>
-          </a:prstGeom>
-          <a:noFill/>
-        </p:spPr>
-      </p:pic>
-      <p:sp>
-        <p:nvSpPr>
-          <p:cNvPr id="2" name="Titel 1"/>
-          <p:cNvSpPr>
-            <a:spLocks noGrp="1"/>
-          </p:cNvSpPr>
-          <p:nvPr>
-            <p:ph type="title"/>
-          </p:nvPr>
-        </p:nvSpPr>
-        <p:spPr/>
-        <p:txBody>
-          <a:bodyPr/>
-          <a:lstStyle/>
-          <a:p>
-            <a:r>
-              <a:rPr lang="en-US" dirty="0" smtClean="0"/>
-              <a:t>The project</a:t>
-            </a:r>
-            <a:endParaRPr lang="en-US" dirty="0"/>
-          </a:p>
-        </p:txBody>
-      </p:sp>
-      <p:sp>
-        <p:nvSpPr>
-          <p:cNvPr id="3" name="Pladsholder til indhold 2"/>
-          <p:cNvSpPr>
-            <a:spLocks noGrp="1"/>
-          </p:cNvSpPr>
-          <p:nvPr>
-            <p:ph idx="1"/>
-          </p:nvPr>
-        </p:nvSpPr>
-        <p:spPr/>
-        <p:txBody>
-          <a:bodyPr/>
-          <a:lstStyle/>
-          <a:p>
-            <a:r>
-              <a:rPr lang="en-US" dirty="0" smtClean="0"/>
-              <a:t>Architecture</a:t>
-            </a:r>
-            <a:endParaRPr lang="en-US" dirty="0"/>
-          </a:p>
-        </p:txBody>
-      </p:sp>
-      <p:sp>
-        <p:nvSpPr>
-          <p:cNvPr id="5" name="Pladsholder til diasnummer 4"/>
-          <p:cNvSpPr>
-            <a:spLocks noGrp="1"/>
-          </p:cNvSpPr>
-          <p:nvPr>
-            <p:ph type="sldNum" sz="quarter" idx="12"/>
-          </p:nvPr>
-        </p:nvSpPr>
-        <p:spPr/>
-        <p:txBody>
-          <a:bodyPr/>
-          <a:lstStyle/>
-          <a:p>
-            <a:fld id="{0193E34B-BA66-4021-80C2-B570C69E1643}" type="slidenum">
-              <a:rPr lang="en-US" smtClean="0"/>
-              <a:pPr/>
-              <a:t>18</a:t>
-            </a:fld>
-            <a:endParaRPr lang="en-US" dirty="0"/>
-          </a:p>
-        </p:txBody>
-      </p:sp>
-    </p:spTree>
-  </p:cSld>
-  <p:clrMapOvr>
-    <a:masterClrMapping/>
-  </p:clrMapOvr>
-  <p:timing>
-    <p:tnLst>
-      <p:par>
-        <p:cTn id="1" dur="indefinite" restart="never" nodeType="tmRoot"/>
-      </p:par>
-    </p:tnLst>
-  </p:timing>
-</p:sld>
-</file>
-
-<file path=ppt/slides/slide19.xml><?xml version="1.0" encoding="utf-8"?>
-<p:sld xmlns:a="http://schemas.openxmlformats.org/drawingml/2006/main" xmlns:r="http://schemas.openxmlformats.org/officeDocument/2006/relationships" xmlns:p="http://schemas.openxmlformats.org/presentationml/2006/main">
-  <p:cSld>
-    <p:spTree>
-      <p:nvGrpSpPr>
-        <p:cNvPr id="1" name=""/>
-        <p:cNvGrpSpPr/>
-        <p:nvPr/>
-      </p:nvGrpSpPr>
-      <p:grpSpPr>
-        <a:xfrm>
-          <a:off x="0" y="0"/>
-          <a:ext cx="0" cy="0"/>
-          <a:chOff x="0" y="0"/>
-          <a:chExt cx="0" cy="0"/>
-        </a:xfrm>
-      </p:grpSpPr>
-      <p:sp>
-        <p:nvSpPr>
-          <p:cNvPr id="3" name="Pladsholder til indhold 2"/>
-          <p:cNvSpPr>
-            <a:spLocks noGrp="1"/>
-          </p:cNvSpPr>
-          <p:nvPr>
-            <p:ph idx="1"/>
-          </p:nvPr>
-        </p:nvSpPr>
-        <p:spPr/>
-        <p:txBody>
-          <a:bodyPr/>
-          <a:lstStyle/>
-          <a:p>
-            <a:r>
-              <a:rPr lang="en-US" dirty="0" smtClean="0"/>
-              <a:t>New work flow With the use of the system</a:t>
-            </a:r>
-            <a:endParaRPr lang="en-US" dirty="0"/>
-          </a:p>
-        </p:txBody>
-      </p:sp>
-      <p:sp>
-        <p:nvSpPr>
-          <p:cNvPr id="4" name="Pladsholder til diasnummer 3"/>
-          <p:cNvSpPr>
-            <a:spLocks noGrp="1"/>
-          </p:cNvSpPr>
-          <p:nvPr>
-            <p:ph type="sldNum" sz="quarter" idx="12"/>
-          </p:nvPr>
-        </p:nvSpPr>
-        <p:spPr/>
-        <p:txBody>
-          <a:bodyPr/>
-          <a:lstStyle/>
-          <a:p>
-            <a:fld id="{F1CA7332-4DAA-4DA0-A413-9D9496445191}" type="slidenum">
-              <a:rPr lang="da-DK" smtClean="0"/>
-              <a:pPr/>
-              <a:t>19</a:t>
-            </a:fld>
-            <a:endParaRPr lang="da-DK"/>
-          </a:p>
-        </p:txBody>
-      </p:sp>
-      <p:sp>
-        <p:nvSpPr>
-          <p:cNvPr id="5" name="Titel 1"/>
-          <p:cNvSpPr>
-            <a:spLocks noGrp="1"/>
-          </p:cNvSpPr>
-          <p:nvPr>
-            <p:ph type="title"/>
-          </p:nvPr>
-        </p:nvSpPr>
-        <p:spPr/>
-        <p:txBody>
-          <a:bodyPr>
-            <a:normAutofit/>
-          </a:bodyPr>
-          <a:lstStyle/>
-          <a:p>
-            <a:r>
-              <a:rPr lang="en-US" dirty="0" smtClean="0"/>
-              <a:t>The project</a:t>
-            </a:r>
-            <a:endParaRPr lang="da-DK" dirty="0"/>
-          </a:p>
-        </p:txBody>
-      </p:sp>
-      <p:pic>
-        <p:nvPicPr>
-          <p:cNvPr id="31746" name="Picture 2" descr="C:\Users\Bjarke\Desktop\SSE3\Report\pictures\NEWWorkflow.jpg"/>
-          <p:cNvPicPr>
-            <a:picLocks noChangeAspect="1" noChangeArrowheads="1"/>
-          </p:cNvPicPr>
-          <p:nvPr/>
-        </p:nvPicPr>
-        <p:blipFill>
-          <a:blip r:embed="rId2" cstate="print"/>
-          <a:srcRect/>
-          <a:stretch>
-            <a:fillRect/>
-          </a:stretch>
-        </p:blipFill>
-        <p:spPr bwMode="auto">
-          <a:xfrm>
-            <a:off x="928662" y="2752740"/>
-            <a:ext cx="7239000" cy="2819400"/>
-          </a:xfrm>
-          <a:prstGeom prst="rect">
-            <a:avLst/>
-          </a:prstGeom>
-          <a:noFill/>
-        </p:spPr>
-      </p:pic>
     </p:spTree>
   </p:cSld>
   <p:clrMapOvr>

--- a/trunk/SSE3/MartinPresentation/SSE3_3.pptx
+++ b/trunk/SSE3/MartinPresentation/SSE3_3.pptx
@@ -5,7 +5,7 @@
     <p:sldMasterId id="2147483648" r:id="rId1"/>
   </p:sldMasterIdLst>
   <p:notesMasterIdLst>
-    <p:notesMasterId r:id="rId16"/>
+    <p:notesMasterId r:id="rId19"/>
   </p:notesMasterIdLst>
   <p:sldIdLst>
     <p:sldId id="256" r:id="rId2"/>
@@ -21,7 +21,10 @@
     <p:sldId id="265" r:id="rId12"/>
     <p:sldId id="286" r:id="rId13"/>
     <p:sldId id="270" r:id="rId14"/>
-    <p:sldId id="284" r:id="rId15"/>
+    <p:sldId id="287" r:id="rId15"/>
+    <p:sldId id="288" r:id="rId16"/>
+    <p:sldId id="289" r:id="rId17"/>
+    <p:sldId id="290" r:id="rId18"/>
   </p:sldIdLst>
   <p:sldSz cx="9144000" cy="6858000" type="screen4x3"/>
   <p:notesSz cx="6858000" cy="9144000"/>
@@ -206,7 +209,7 @@
             <a:fld id="{2E768AAE-2E88-4F8B-9CD4-9645A80AABDD}" type="datetimeFigureOut">
               <a:rPr lang="da-DK" smtClean="0"/>
               <a:pPr/>
-              <a:t>25-08-2010</a:t>
+              <a:t>26-08-2010</a:t>
             </a:fld>
             <a:endParaRPr lang="en-US"/>
           </a:p>
@@ -368,13 +371,18 @@
             <a:fld id="{6BD51C3F-D932-4A8E-88E8-441E349FF4C1}" type="slidenum">
               <a:rPr lang="en-US" smtClean="0"/>
               <a:pPr/>
-              <a:t>‹nr.›</a:t>
+              <a:t>‹#›</a:t>
             </a:fld>
             <a:endParaRPr lang="en-US"/>
           </a:p>
         </p:txBody>
       </p:sp>
     </p:spTree>
+    <p:extLst>
+      <p:ext uri="{BB962C8B-B14F-4D97-AF65-F5344CB8AC3E}">
+        <p14:creationId xmlns:p14="http://schemas.microsoft.com/office/powerpoint/2010/main" val="355221814"/>
+      </p:ext>
+    </p:extLst>
   </p:cSld>
   <p:clrMap bg1="lt1" tx1="dk1" bg2="lt2" tx2="dk2" accent1="accent1" accent2="accent2" accent3="accent3" accent4="accent4" accent5="accent5" accent6="accent6" hlink="hlink" folHlink="folHlink"/>
   <p:notesStyle>
@@ -1605,6 +1613,174 @@
 </p:notes>
 </file>
 
+<file path=ppt/notesSlides/notesSlide7.xml><?xml version="1.0" encoding="utf-8"?>
+<p:notes xmlns:a="http://schemas.openxmlformats.org/drawingml/2006/main" xmlns:r="http://schemas.openxmlformats.org/officeDocument/2006/relationships" xmlns:p="http://schemas.openxmlformats.org/presentationml/2006/main">
+  <p:cSld>
+    <p:spTree>
+      <p:nvGrpSpPr>
+        <p:cNvPr id="1" name=""/>
+        <p:cNvGrpSpPr/>
+        <p:nvPr/>
+      </p:nvGrpSpPr>
+      <p:grpSpPr>
+        <a:xfrm>
+          <a:off x="0" y="0"/>
+          <a:ext cx="0" cy="0"/>
+          <a:chOff x="0" y="0"/>
+          <a:chExt cx="0" cy="0"/>
+        </a:xfrm>
+      </p:grpSpPr>
+      <p:sp>
+        <p:nvSpPr>
+          <p:cNvPr id="2" name="Slide Image Placeholder 1"/>
+          <p:cNvSpPr>
+            <a:spLocks noGrp="1" noRot="1" noChangeAspect="1"/>
+          </p:cNvSpPr>
+          <p:nvPr>
+            <p:ph type="sldImg"/>
+          </p:nvPr>
+        </p:nvSpPr>
+        <p:spPr/>
+      </p:sp>
+      <p:sp>
+        <p:nvSpPr>
+          <p:cNvPr id="3" name="Notes Placeholder 2"/>
+          <p:cNvSpPr>
+            <a:spLocks noGrp="1"/>
+          </p:cNvSpPr>
+          <p:nvPr>
+            <p:ph type="body" idx="1"/>
+          </p:nvPr>
+        </p:nvSpPr>
+        <p:spPr/>
+        <p:txBody>
+          <a:bodyPr/>
+          <a:lstStyle/>
+          <a:p>
+            <a:endParaRPr lang="en-US" dirty="0"/>
+          </a:p>
+        </p:txBody>
+      </p:sp>
+      <p:sp>
+        <p:nvSpPr>
+          <p:cNvPr id="4" name="Slide Number Placeholder 3"/>
+          <p:cNvSpPr>
+            <a:spLocks noGrp="1"/>
+          </p:cNvSpPr>
+          <p:nvPr>
+            <p:ph type="sldNum" sz="quarter" idx="10"/>
+          </p:nvPr>
+        </p:nvSpPr>
+        <p:spPr/>
+        <p:txBody>
+          <a:bodyPr/>
+          <a:lstStyle/>
+          <a:p>
+            <a:fld id="{F9038DF4-9DF2-47DC-8E83-7FCFB3429243}" type="slidenum">
+              <a:rPr lang="en-US" smtClean="0"/>
+              <a:t>15</a:t>
+            </a:fld>
+            <a:endParaRPr lang="en-US"/>
+          </a:p>
+        </p:txBody>
+      </p:sp>
+    </p:spTree>
+    <p:extLst>
+      <p:ext uri="{BB962C8B-B14F-4D97-AF65-F5344CB8AC3E}">
+        <p14:creationId xmlns:p14="http://schemas.microsoft.com/office/powerpoint/2010/main" val="982768302"/>
+      </p:ext>
+    </p:extLst>
+  </p:cSld>
+  <p:clrMapOvr>
+    <a:masterClrMapping/>
+  </p:clrMapOvr>
+</p:notes>
+</file>
+
+<file path=ppt/notesSlides/notesSlide8.xml><?xml version="1.0" encoding="utf-8"?>
+<p:notes xmlns:a="http://schemas.openxmlformats.org/drawingml/2006/main" xmlns:r="http://schemas.openxmlformats.org/officeDocument/2006/relationships" xmlns:p="http://schemas.openxmlformats.org/presentationml/2006/main">
+  <p:cSld>
+    <p:spTree>
+      <p:nvGrpSpPr>
+        <p:cNvPr id="1" name=""/>
+        <p:cNvGrpSpPr/>
+        <p:nvPr/>
+      </p:nvGrpSpPr>
+      <p:grpSpPr>
+        <a:xfrm>
+          <a:off x="0" y="0"/>
+          <a:ext cx="0" cy="0"/>
+          <a:chOff x="0" y="0"/>
+          <a:chExt cx="0" cy="0"/>
+        </a:xfrm>
+      </p:grpSpPr>
+      <p:sp>
+        <p:nvSpPr>
+          <p:cNvPr id="2" name="Slide Image Placeholder 1"/>
+          <p:cNvSpPr>
+            <a:spLocks noGrp="1" noRot="1" noChangeAspect="1"/>
+          </p:cNvSpPr>
+          <p:nvPr>
+            <p:ph type="sldImg"/>
+          </p:nvPr>
+        </p:nvSpPr>
+        <p:spPr/>
+      </p:sp>
+      <p:sp>
+        <p:nvSpPr>
+          <p:cNvPr id="3" name="Notes Placeholder 2"/>
+          <p:cNvSpPr>
+            <a:spLocks noGrp="1"/>
+          </p:cNvSpPr>
+          <p:nvPr>
+            <p:ph type="body" idx="1"/>
+          </p:nvPr>
+        </p:nvSpPr>
+        <p:spPr/>
+        <p:txBody>
+          <a:bodyPr/>
+          <a:lstStyle/>
+          <a:p>
+            <a:endParaRPr lang="en-US" dirty="0"/>
+          </a:p>
+        </p:txBody>
+      </p:sp>
+      <p:sp>
+        <p:nvSpPr>
+          <p:cNvPr id="4" name="Slide Number Placeholder 3"/>
+          <p:cNvSpPr>
+            <a:spLocks noGrp="1"/>
+          </p:cNvSpPr>
+          <p:nvPr>
+            <p:ph type="sldNum" sz="quarter" idx="10"/>
+          </p:nvPr>
+        </p:nvSpPr>
+        <p:spPr/>
+        <p:txBody>
+          <a:bodyPr/>
+          <a:lstStyle/>
+          <a:p>
+            <a:fld id="{F9038DF4-9DF2-47DC-8E83-7FCFB3429243}" type="slidenum">
+              <a:rPr lang="en-US" smtClean="0"/>
+              <a:t>17</a:t>
+            </a:fld>
+            <a:endParaRPr lang="en-US"/>
+          </a:p>
+        </p:txBody>
+      </p:sp>
+    </p:spTree>
+    <p:extLst>
+      <p:ext uri="{BB962C8B-B14F-4D97-AF65-F5344CB8AC3E}">
+        <p14:creationId xmlns:p14="http://schemas.microsoft.com/office/powerpoint/2010/main" val="982768302"/>
+      </p:ext>
+    </p:extLst>
+  </p:cSld>
+  <p:clrMapOvr>
+    <a:masterClrMapping/>
+  </p:clrMapOvr>
+</p:notes>
+</file>
+
 <file path=ppt/slideLayouts/slideLayout1.xml><?xml version="1.0" encoding="utf-8"?>
 <p:sldLayout xmlns:a="http://schemas.openxmlformats.org/drawingml/2006/main" xmlns:r="http://schemas.openxmlformats.org/officeDocument/2006/relationships" xmlns:p="http://schemas.openxmlformats.org/presentationml/2006/main" type="title" preserve="1">
   <p:cSld name="Titeldias">
@@ -1787,7 +1963,7 @@
             <a:fld id="{BDCB3884-DFCD-477E-8524-38BA88E3AB0A}" type="datetime1">
               <a:rPr lang="da-DK" smtClean="0"/>
               <a:pPr/>
-              <a:t>25-08-2010</a:t>
+              <a:t>26-08-2010</a:t>
             </a:fld>
             <a:endParaRPr lang="en-US"/>
           </a:p>
@@ -1830,7 +2006,7 @@
             <a:fld id="{6617F780-296D-4FA7-9866-A53569B19EF7}" type="slidenum">
               <a:rPr lang="en-US" smtClean="0"/>
               <a:pPr/>
-              <a:t>‹nr.›</a:t>
+              <a:t>‹#›</a:t>
             </a:fld>
             <a:endParaRPr lang="en-US"/>
           </a:p>
@@ -1954,7 +2130,7 @@
             <a:fld id="{F83C97EA-753F-49D2-B09A-1DB7744066A7}" type="datetime1">
               <a:rPr lang="da-DK" smtClean="0"/>
               <a:pPr/>
-              <a:t>25-08-2010</a:t>
+              <a:t>26-08-2010</a:t>
             </a:fld>
             <a:endParaRPr lang="en-US"/>
           </a:p>
@@ -1997,7 +2173,7 @@
             <a:fld id="{6617F780-296D-4FA7-9866-A53569B19EF7}" type="slidenum">
               <a:rPr lang="en-US" smtClean="0"/>
               <a:pPr/>
-              <a:t>‹nr.›</a:t>
+              <a:t>‹#›</a:t>
             </a:fld>
             <a:endParaRPr lang="en-US"/>
           </a:p>
@@ -2131,7 +2307,7 @@
             <a:fld id="{CE55F4E6-E86A-48DD-8A27-DE72DD37741F}" type="datetime1">
               <a:rPr lang="da-DK" smtClean="0"/>
               <a:pPr/>
-              <a:t>25-08-2010</a:t>
+              <a:t>26-08-2010</a:t>
             </a:fld>
             <a:endParaRPr lang="en-US"/>
           </a:p>
@@ -2174,7 +2350,7 @@
             <a:fld id="{6617F780-296D-4FA7-9866-A53569B19EF7}" type="slidenum">
               <a:rPr lang="en-US" smtClean="0"/>
               <a:pPr/>
-              <a:t>‹nr.›</a:t>
+              <a:t>‹#›</a:t>
             </a:fld>
             <a:endParaRPr lang="en-US"/>
           </a:p>
@@ -2298,7 +2474,7 @@
             <a:fld id="{3592014E-4C94-4486-87B6-6DBF0CF3EDBD}" type="datetime1">
               <a:rPr lang="da-DK" smtClean="0"/>
               <a:pPr/>
-              <a:t>25-08-2010</a:t>
+              <a:t>26-08-2010</a:t>
             </a:fld>
             <a:endParaRPr lang="en-US"/>
           </a:p>
@@ -2341,7 +2517,7 @@
             <a:fld id="{6617F780-296D-4FA7-9866-A53569B19EF7}" type="slidenum">
               <a:rPr lang="en-US" smtClean="0"/>
               <a:pPr/>
-              <a:t>‹nr.›</a:t>
+              <a:t>‹#›</a:t>
             </a:fld>
             <a:endParaRPr lang="en-US"/>
           </a:p>
@@ -2541,7 +2717,7 @@
             <a:fld id="{EE731DC7-46A1-4AF5-BFB1-0177D9668F06}" type="datetime1">
               <a:rPr lang="da-DK" smtClean="0"/>
               <a:pPr/>
-              <a:t>25-08-2010</a:t>
+              <a:t>26-08-2010</a:t>
             </a:fld>
             <a:endParaRPr lang="en-US"/>
           </a:p>
@@ -2584,7 +2760,7 @@
             <a:fld id="{6617F780-296D-4FA7-9866-A53569B19EF7}" type="slidenum">
               <a:rPr lang="en-US" smtClean="0"/>
               <a:pPr/>
-              <a:t>‹nr.›</a:t>
+              <a:t>‹#›</a:t>
             </a:fld>
             <a:endParaRPr lang="en-US"/>
           </a:p>
@@ -2826,7 +3002,7 @@
             <a:fld id="{ED9A918B-76A2-41C0-A8D5-5BFAB0EE2923}" type="datetime1">
               <a:rPr lang="da-DK" smtClean="0"/>
               <a:pPr/>
-              <a:t>25-08-2010</a:t>
+              <a:t>26-08-2010</a:t>
             </a:fld>
             <a:endParaRPr lang="en-US"/>
           </a:p>
@@ -2869,7 +3045,7 @@
             <a:fld id="{6617F780-296D-4FA7-9866-A53569B19EF7}" type="slidenum">
               <a:rPr lang="en-US" smtClean="0"/>
               <a:pPr/>
-              <a:t>‹nr.›</a:t>
+              <a:t>‹#›</a:t>
             </a:fld>
             <a:endParaRPr lang="en-US"/>
           </a:p>
@@ -3245,7 +3421,7 @@
             <a:fld id="{CA5FB4B5-0F83-43CC-84CD-D5E660FBF5C8}" type="datetime1">
               <a:rPr lang="da-DK" smtClean="0"/>
               <a:pPr/>
-              <a:t>25-08-2010</a:t>
+              <a:t>26-08-2010</a:t>
             </a:fld>
             <a:endParaRPr lang="en-US"/>
           </a:p>
@@ -3288,7 +3464,7 @@
             <a:fld id="{6617F780-296D-4FA7-9866-A53569B19EF7}" type="slidenum">
               <a:rPr lang="en-US" smtClean="0"/>
               <a:pPr/>
-              <a:t>‹nr.›</a:t>
+              <a:t>‹#›</a:t>
             </a:fld>
             <a:endParaRPr lang="en-US"/>
           </a:p>
@@ -3360,7 +3536,7 @@
             <a:fld id="{EF78C413-F746-43D2-8A1E-A8BFA60E6A43}" type="datetime1">
               <a:rPr lang="da-DK" smtClean="0"/>
               <a:pPr/>
-              <a:t>25-08-2010</a:t>
+              <a:t>26-08-2010</a:t>
             </a:fld>
             <a:endParaRPr lang="en-US"/>
           </a:p>
@@ -3403,7 +3579,7 @@
             <a:fld id="{6617F780-296D-4FA7-9866-A53569B19EF7}" type="slidenum">
               <a:rPr lang="en-US" smtClean="0"/>
               <a:pPr/>
-              <a:t>‹nr.›</a:t>
+              <a:t>‹#›</a:t>
             </a:fld>
             <a:endParaRPr lang="en-US"/>
           </a:p>
@@ -3452,7 +3628,7 @@
             <a:fld id="{48C2C0CF-3276-4DBF-8B54-88E218F65761}" type="datetime1">
               <a:rPr lang="da-DK" smtClean="0"/>
               <a:pPr/>
-              <a:t>25-08-2010</a:t>
+              <a:t>26-08-2010</a:t>
             </a:fld>
             <a:endParaRPr lang="en-US"/>
           </a:p>
@@ -3495,7 +3671,7 @@
             <a:fld id="{6617F780-296D-4FA7-9866-A53569B19EF7}" type="slidenum">
               <a:rPr lang="en-US" smtClean="0"/>
               <a:pPr/>
-              <a:t>‹nr.›</a:t>
+              <a:t>‹#›</a:t>
             </a:fld>
             <a:endParaRPr lang="en-US"/>
           </a:p>
@@ -3726,7 +3902,7 @@
             <a:fld id="{2DD22012-F4E8-46E5-B92D-1EFF27128427}" type="datetime1">
               <a:rPr lang="da-DK" smtClean="0"/>
               <a:pPr/>
-              <a:t>25-08-2010</a:t>
+              <a:t>26-08-2010</a:t>
             </a:fld>
             <a:endParaRPr lang="en-US"/>
           </a:p>
@@ -3769,7 +3945,7 @@
             <a:fld id="{6617F780-296D-4FA7-9866-A53569B19EF7}" type="slidenum">
               <a:rPr lang="en-US" smtClean="0"/>
               <a:pPr/>
-              <a:t>‹nr.›</a:t>
+              <a:t>‹#›</a:t>
             </a:fld>
             <a:endParaRPr lang="en-US"/>
           </a:p>
@@ -3976,7 +4152,7 @@
             <a:fld id="{47915BC5-5DBA-421B-8B85-B724BB4E323A}" type="datetime1">
               <a:rPr lang="da-DK" smtClean="0"/>
               <a:pPr/>
-              <a:t>25-08-2010</a:t>
+              <a:t>26-08-2010</a:t>
             </a:fld>
             <a:endParaRPr lang="en-US"/>
           </a:p>
@@ -4019,7 +4195,7 @@
             <a:fld id="{6617F780-296D-4FA7-9866-A53569B19EF7}" type="slidenum">
               <a:rPr lang="en-US" smtClean="0"/>
               <a:pPr/>
-              <a:t>‹nr.›</a:t>
+              <a:t>‹#›</a:t>
             </a:fld>
             <a:endParaRPr lang="en-US"/>
           </a:p>
@@ -4186,7 +4362,7 @@
             <a:fld id="{06D720BD-EEDF-4F07-8FAC-8F912F738675}" type="datetime1">
               <a:rPr lang="da-DK" smtClean="0"/>
               <a:pPr/>
-              <a:t>25-08-2010</a:t>
+              <a:t>26-08-2010</a:t>
             </a:fld>
             <a:endParaRPr lang="en-US"/>
           </a:p>
@@ -4265,7 +4441,7 @@
             <a:fld id="{6617F780-296D-4FA7-9866-A53569B19EF7}" type="slidenum">
               <a:rPr lang="en-US" smtClean="0"/>
               <a:pPr/>
-              <a:t>‹nr.›</a:t>
+              <a:t>‹#›</a:t>
             </a:fld>
             <a:endParaRPr lang="en-US"/>
           </a:p>
@@ -5180,6 +5356,29 @@
       </p:grpSpPr>
       <p:sp>
         <p:nvSpPr>
+          <p:cNvPr id="2" name="Titel 1"/>
+          <p:cNvSpPr>
+            <a:spLocks noGrp="1"/>
+          </p:cNvSpPr>
+          <p:nvPr>
+            <p:ph type="title"/>
+          </p:nvPr>
+        </p:nvSpPr>
+        <p:spPr/>
+        <p:txBody>
+          <a:bodyPr/>
+          <a:lstStyle/>
+          <a:p>
+            <a:r>
+              <a:rPr lang="en-US" dirty="0" smtClean="0"/>
+              <a:t>Project</a:t>
+            </a:r>
+            <a:endParaRPr lang="en-US" dirty="0"/>
+          </a:p>
+        </p:txBody>
+      </p:sp>
+      <p:sp>
+        <p:nvSpPr>
           <p:cNvPr id="3" name="Pladsholder til indhold 2"/>
           <p:cNvSpPr>
             <a:spLocks noGrp="1"/>
@@ -5188,50 +5387,12 @@
             <p:ph idx="1"/>
           </p:nvPr>
         </p:nvSpPr>
-        <p:spPr/>
-        <p:txBody>
-          <a:bodyPr/>
-          <a:lstStyle/>
-          <a:p>
-            <a:endParaRPr lang="en-US" dirty="0"/>
-          </a:p>
-        </p:txBody>
-      </p:sp>
-      <p:sp>
-        <p:nvSpPr>
-          <p:cNvPr id="4" name="Pladsholder til diasnummer 3"/>
-          <p:cNvSpPr>
-            <a:spLocks noGrp="1"/>
-          </p:cNvSpPr>
-          <p:nvPr>
-            <p:ph type="sldNum" sz="quarter" idx="12"/>
-          </p:nvPr>
-        </p:nvSpPr>
-        <p:spPr/>
-        <p:txBody>
-          <a:bodyPr/>
-          <a:lstStyle/>
-          <a:p>
-            <a:fld id="{F1CA7332-4DAA-4DA0-A413-9D9496445191}" type="slidenum">
-              <a:rPr lang="da-DK" smtClean="0"/>
-              <a:pPr/>
-              <a:t>14</a:t>
-            </a:fld>
-            <a:endParaRPr lang="da-DK"/>
-          </a:p>
-        </p:txBody>
-      </p:sp>
-      <p:sp>
-        <p:nvSpPr>
-          <p:cNvPr id="5" name="Titel 1"/>
-          <p:cNvSpPr>
-            <a:spLocks noGrp="1"/>
-          </p:cNvSpPr>
-          <p:nvPr>
-            <p:ph type="title"/>
-          </p:nvPr>
-        </p:nvSpPr>
-        <p:spPr/>
+        <p:spPr>
+          <a:xfrm>
+            <a:off x="457200" y="1600200"/>
+            <a:ext cx="8229600" cy="5257800"/>
+          </a:xfrm>
+        </p:spPr>
         <p:txBody>
           <a:bodyPr>
             <a:normAutofit/>
@@ -5240,24 +5401,507 @@
           <a:p>
             <a:r>
               <a:rPr lang="en-US" dirty="0" smtClean="0"/>
-              <a:t>The project</a:t>
-            </a:r>
-            <a:endParaRPr lang="da-DK" dirty="0"/>
+              <a:t>Workflow/Data Workflow</a:t>
+            </a:r>
+          </a:p>
+          <a:p>
+            <a:pPr lvl="1"/>
+            <a:r>
+              <a:rPr lang="en-US" dirty="0" smtClean="0"/>
+              <a:t>Data Capturing</a:t>
+            </a:r>
+          </a:p>
+          <a:p>
+            <a:pPr lvl="1"/>
+            <a:r>
+              <a:rPr lang="en-US" dirty="0" smtClean="0"/>
+              <a:t>Connection, Context, Node</a:t>
+            </a:r>
+          </a:p>
+          <a:p>
+            <a:pPr lvl="1"/>
+            <a:r>
+              <a:rPr lang="en-US" dirty="0" smtClean="0"/>
+              <a:t>Analysis, Search/Sort, Profile Link</a:t>
+            </a:r>
+          </a:p>
+          <a:p>
+            <a:r>
+              <a:rPr lang="en-US" dirty="0" smtClean="0"/>
+              <a:t>Client Server / Closed Hypermedia System</a:t>
+            </a:r>
+          </a:p>
+          <a:p>
+            <a:pPr lvl="1"/>
+            <a:r>
+              <a:rPr lang="en-US" dirty="0" smtClean="0"/>
+              <a:t>Using the WWW</a:t>
+            </a:r>
+          </a:p>
+          <a:p>
+            <a:r>
+              <a:rPr lang="en-US" dirty="0" smtClean="0"/>
+              <a:t>Twitter API</a:t>
+            </a:r>
+          </a:p>
+          <a:p>
+            <a:pPr lvl="1"/>
+            <a:r>
+              <a:rPr lang="en-US" dirty="0" smtClean="0"/>
+              <a:t>HTTP get Requests</a:t>
+            </a:r>
+          </a:p>
+          <a:p>
+            <a:r>
+              <a:rPr lang="en-US" dirty="0" smtClean="0"/>
+              <a:t>Twitterizer Library for C#</a:t>
+            </a:r>
+          </a:p>
+          <a:p>
+            <a:endParaRPr lang="en-US" dirty="0" smtClean="0"/>
+          </a:p>
+          <a:p>
+            <a:endParaRPr lang="en-US" dirty="0" smtClean="0"/>
           </a:p>
         </p:txBody>
       </p:sp>
     </p:spTree>
+    <p:extLst>
+      <p:ext uri="{BB962C8B-B14F-4D97-AF65-F5344CB8AC3E}">
+        <p14:creationId xmlns:p14="http://schemas.microsoft.com/office/powerpoint/2010/main" val="914925436"/>
+      </p:ext>
+    </p:extLst>
   </p:cSld>
   <p:clrMapOvr>
     <a:masterClrMapping/>
   </p:clrMapOvr>
-  <p:timing>
-    <p:tnLst>
-      <p:par>
-        <p:cTn id="1" dur="indefinite" restart="never" nodeType="tmRoot"/>
-      </p:par>
-    </p:tnLst>
-  </p:timing>
+</p:sld>
+</file>
+
+<file path=ppt/slides/slide15.xml><?xml version="1.0" encoding="utf-8"?>
+<p:sld xmlns:a="http://schemas.openxmlformats.org/drawingml/2006/main" xmlns:r="http://schemas.openxmlformats.org/officeDocument/2006/relationships" xmlns:p="http://schemas.openxmlformats.org/presentationml/2006/main">
+  <p:cSld>
+    <p:spTree>
+      <p:nvGrpSpPr>
+        <p:cNvPr id="1" name=""/>
+        <p:cNvGrpSpPr/>
+        <p:nvPr/>
+      </p:nvGrpSpPr>
+      <p:grpSpPr>
+        <a:xfrm>
+          <a:off x="0" y="0"/>
+          <a:ext cx="0" cy="0"/>
+          <a:chOff x="0" y="0"/>
+          <a:chExt cx="0" cy="0"/>
+        </a:xfrm>
+      </p:grpSpPr>
+      <p:sp>
+        <p:nvSpPr>
+          <p:cNvPr id="2" name="Titel 1"/>
+          <p:cNvSpPr>
+            <a:spLocks noGrp="1"/>
+          </p:cNvSpPr>
+          <p:nvPr>
+            <p:ph type="title"/>
+          </p:nvPr>
+        </p:nvSpPr>
+        <p:spPr/>
+        <p:txBody>
+          <a:bodyPr/>
+          <a:lstStyle/>
+          <a:p>
+            <a:r>
+              <a:rPr lang="en-US" dirty="0" smtClean="0"/>
+              <a:t>Knowledge Management Workflow</a:t>
+            </a:r>
+            <a:endParaRPr lang="en-US" dirty="0"/>
+          </a:p>
+        </p:txBody>
+      </p:sp>
+      <p:sp>
+        <p:nvSpPr>
+          <p:cNvPr id="3" name="Pladsholder til indhold 2"/>
+          <p:cNvSpPr>
+            <a:spLocks noGrp="1"/>
+          </p:cNvSpPr>
+          <p:nvPr>
+            <p:ph idx="1"/>
+          </p:nvPr>
+        </p:nvSpPr>
+        <p:spPr>
+          <a:xfrm>
+            <a:off x="457200" y="1600200"/>
+            <a:ext cx="8229600" cy="5257800"/>
+          </a:xfrm>
+        </p:spPr>
+        <p:txBody>
+          <a:bodyPr>
+            <a:normAutofit lnSpcReduction="10000"/>
+          </a:bodyPr>
+          <a:lstStyle/>
+          <a:p>
+            <a:r>
+              <a:rPr lang="en-US" dirty="0" smtClean="0"/>
+              <a:t>Social Network Analysis</a:t>
+            </a:r>
+          </a:p>
+          <a:p>
+            <a:pPr lvl="1"/>
+            <a:r>
+              <a:rPr lang="en-US" dirty="0" smtClean="0"/>
+              <a:t>Knowledge from user social activity</a:t>
+            </a:r>
+          </a:p>
+          <a:p>
+            <a:r>
+              <a:rPr lang="en-US" dirty="0" smtClean="0"/>
+              <a:t>Knowledge form people</a:t>
+            </a:r>
+          </a:p>
+          <a:p>
+            <a:pPr lvl="1"/>
+            <a:r>
+              <a:rPr lang="en-US" dirty="0" smtClean="0"/>
+              <a:t>Status updates</a:t>
+            </a:r>
+          </a:p>
+          <a:p>
+            <a:pPr lvl="1"/>
+            <a:r>
+              <a:rPr lang="en-US" dirty="0" smtClean="0"/>
+              <a:t>Public comments</a:t>
+            </a:r>
+          </a:p>
+          <a:p>
+            <a:pPr lvl="1"/>
+            <a:r>
+              <a:rPr lang="en-US" dirty="0" smtClean="0"/>
+              <a:t>Public group conversations</a:t>
+            </a:r>
+          </a:p>
+          <a:p>
+            <a:r>
+              <a:rPr lang="en-US" dirty="0" smtClean="0"/>
+              <a:t>Knowledge acquired</a:t>
+            </a:r>
+          </a:p>
+          <a:p>
+            <a:pPr lvl="1"/>
+            <a:r>
+              <a:rPr lang="en-US" dirty="0" smtClean="0"/>
+              <a:t>Nodes of connection</a:t>
+            </a:r>
+          </a:p>
+          <a:p>
+            <a:pPr lvl="1"/>
+            <a:r>
+              <a:rPr lang="en-US" dirty="0" smtClean="0"/>
+              <a:t>Sorted Relevant Tweets </a:t>
+            </a:r>
+          </a:p>
+          <a:p>
+            <a:pPr lvl="1"/>
+            <a:r>
+              <a:rPr lang="en-US" dirty="0" smtClean="0"/>
+              <a:t>Pattern Detection</a:t>
+            </a:r>
+          </a:p>
+          <a:p>
+            <a:endParaRPr lang="en-US" dirty="0"/>
+          </a:p>
+          <a:p>
+            <a:endParaRPr lang="en-US" dirty="0" smtClean="0"/>
+          </a:p>
+        </p:txBody>
+      </p:sp>
+    </p:spTree>
+    <p:extLst>
+      <p:ext uri="{BB962C8B-B14F-4D97-AF65-F5344CB8AC3E}">
+        <p14:creationId xmlns:p14="http://schemas.microsoft.com/office/powerpoint/2010/main" val="1986813217"/>
+      </p:ext>
+    </p:extLst>
+  </p:cSld>
+  <p:clrMapOvr>
+    <a:masterClrMapping/>
+  </p:clrMapOvr>
+</p:sld>
+</file>
+
+<file path=ppt/slides/slide16.xml><?xml version="1.0" encoding="utf-8"?>
+<p:sld xmlns:a="http://schemas.openxmlformats.org/drawingml/2006/main" xmlns:r="http://schemas.openxmlformats.org/officeDocument/2006/relationships" xmlns:p="http://schemas.openxmlformats.org/presentationml/2006/main">
+  <p:cSld>
+    <p:spTree>
+      <p:nvGrpSpPr>
+        <p:cNvPr id="1" name=""/>
+        <p:cNvGrpSpPr/>
+        <p:nvPr/>
+      </p:nvGrpSpPr>
+      <p:grpSpPr>
+        <a:xfrm>
+          <a:off x="0" y="0"/>
+          <a:ext cx="0" cy="0"/>
+          <a:chOff x="0" y="0"/>
+          <a:chExt cx="0" cy="0"/>
+        </a:xfrm>
+      </p:grpSpPr>
+      <p:sp>
+        <p:nvSpPr>
+          <p:cNvPr id="2" name="Titel 1"/>
+          <p:cNvSpPr>
+            <a:spLocks noGrp="1"/>
+          </p:cNvSpPr>
+          <p:nvPr>
+            <p:ph type="title"/>
+          </p:nvPr>
+        </p:nvSpPr>
+        <p:spPr/>
+        <p:txBody>
+          <a:bodyPr/>
+          <a:lstStyle/>
+          <a:p>
+            <a:r>
+              <a:rPr lang="en-US" dirty="0" smtClean="0"/>
+              <a:t>Further Development </a:t>
+            </a:r>
+            <a:endParaRPr lang="en-US" dirty="0"/>
+          </a:p>
+        </p:txBody>
+      </p:sp>
+      <p:sp>
+        <p:nvSpPr>
+          <p:cNvPr id="3" name="Pladsholder til indhold 2"/>
+          <p:cNvSpPr>
+            <a:spLocks noGrp="1"/>
+          </p:cNvSpPr>
+          <p:nvPr>
+            <p:ph idx="1"/>
+          </p:nvPr>
+        </p:nvSpPr>
+        <p:spPr/>
+        <p:txBody>
+          <a:bodyPr/>
+          <a:lstStyle/>
+          <a:p>
+            <a:r>
+              <a:rPr lang="en-US" dirty="0" smtClean="0"/>
+              <a:t>Improve Search / Sort</a:t>
+            </a:r>
+          </a:p>
+          <a:p>
+            <a:pPr lvl="1"/>
+            <a:r>
+              <a:rPr lang="en-US" dirty="0"/>
+              <a:t>Natural Language </a:t>
+            </a:r>
+            <a:r>
+              <a:rPr lang="en-US" dirty="0" smtClean="0"/>
+              <a:t>Processing</a:t>
+            </a:r>
+          </a:p>
+          <a:p>
+            <a:r>
+              <a:rPr lang="en-US" dirty="0" smtClean="0"/>
+              <a:t>Improve Awareness</a:t>
+            </a:r>
+          </a:p>
+          <a:p>
+            <a:pPr lvl="1"/>
+            <a:r>
+              <a:rPr lang="en-US" dirty="0" smtClean="0"/>
+              <a:t>Node Connections</a:t>
+            </a:r>
+          </a:p>
+          <a:p>
+            <a:pPr lvl="2"/>
+            <a:r>
+              <a:rPr lang="en-US" dirty="0" smtClean="0"/>
+              <a:t>Closeness, other Node Patterns</a:t>
+            </a:r>
+          </a:p>
+          <a:p>
+            <a:pPr lvl="1"/>
+            <a:r>
+              <a:rPr lang="en-US" dirty="0" smtClean="0"/>
+              <a:t>Graphical Representation of Connections</a:t>
+            </a:r>
+            <a:endParaRPr lang="en-US" dirty="0"/>
+          </a:p>
+          <a:p>
+            <a:r>
+              <a:rPr lang="en-US" dirty="0" smtClean="0"/>
+              <a:t>Add Advanced Crawling</a:t>
+            </a:r>
+          </a:p>
+          <a:p>
+            <a:r>
+              <a:rPr lang="en-US" dirty="0" smtClean="0"/>
+              <a:t>Circumvent API Limitations</a:t>
+            </a:r>
+          </a:p>
+          <a:p>
+            <a:endParaRPr lang="en-US" dirty="0"/>
+          </a:p>
+        </p:txBody>
+      </p:sp>
+    </p:spTree>
+    <p:extLst>
+      <p:ext uri="{BB962C8B-B14F-4D97-AF65-F5344CB8AC3E}">
+        <p14:creationId xmlns:p14="http://schemas.microsoft.com/office/powerpoint/2010/main" val="3329987678"/>
+      </p:ext>
+    </p:extLst>
+  </p:cSld>
+  <p:clrMapOvr>
+    <a:masterClrMapping/>
+  </p:clrMapOvr>
+</p:sld>
+</file>
+
+<file path=ppt/slides/slide17.xml><?xml version="1.0" encoding="utf-8"?>
+<p:sld xmlns:a="http://schemas.openxmlformats.org/drawingml/2006/main" xmlns:r="http://schemas.openxmlformats.org/officeDocument/2006/relationships" xmlns:p="http://schemas.openxmlformats.org/presentationml/2006/main">
+  <p:cSld>
+    <p:spTree>
+      <p:nvGrpSpPr>
+        <p:cNvPr id="1" name=""/>
+        <p:cNvGrpSpPr/>
+        <p:nvPr/>
+      </p:nvGrpSpPr>
+      <p:grpSpPr>
+        <a:xfrm>
+          <a:off x="0" y="0"/>
+          <a:ext cx="0" cy="0"/>
+          <a:chOff x="0" y="0"/>
+          <a:chExt cx="0" cy="0"/>
+        </a:xfrm>
+      </p:grpSpPr>
+      <p:sp>
+        <p:nvSpPr>
+          <p:cNvPr id="2" name="Titel 1"/>
+          <p:cNvSpPr>
+            <a:spLocks noGrp="1"/>
+          </p:cNvSpPr>
+          <p:nvPr>
+            <p:ph type="title"/>
+          </p:nvPr>
+        </p:nvSpPr>
+        <p:spPr/>
+        <p:txBody>
+          <a:bodyPr>
+            <a:normAutofit/>
+          </a:bodyPr>
+          <a:lstStyle/>
+          <a:p>
+            <a:r>
+              <a:rPr lang="en-US" dirty="0"/>
+              <a:t>Further Development </a:t>
+            </a:r>
+          </a:p>
+        </p:txBody>
+      </p:sp>
+      <p:sp>
+        <p:nvSpPr>
+          <p:cNvPr id="3" name="Pladsholder til indhold 2"/>
+          <p:cNvSpPr>
+            <a:spLocks noGrp="1"/>
+          </p:cNvSpPr>
+          <p:nvPr>
+            <p:ph idx="1"/>
+          </p:nvPr>
+        </p:nvSpPr>
+        <p:spPr>
+          <a:xfrm>
+            <a:off x="457200" y="1600200"/>
+            <a:ext cx="8229600" cy="5257800"/>
+          </a:xfrm>
+        </p:spPr>
+        <p:txBody>
+          <a:bodyPr>
+            <a:normAutofit/>
+          </a:bodyPr>
+          <a:lstStyle/>
+          <a:p>
+            <a:r>
+              <a:rPr lang="en-US" dirty="0"/>
+              <a:t>Computer supported cooperative </a:t>
+            </a:r>
+            <a:r>
+              <a:rPr lang="en-US" dirty="0" smtClean="0"/>
+              <a:t>work</a:t>
+            </a:r>
+          </a:p>
+          <a:p>
+            <a:pPr lvl="1"/>
+            <a:r>
+              <a:rPr lang="en-US" dirty="0" smtClean="0"/>
+              <a:t>Several Analysts</a:t>
+            </a:r>
+            <a:endParaRPr lang="en-US" dirty="0"/>
+          </a:p>
+          <a:p>
+            <a:pPr lvl="1"/>
+            <a:r>
+              <a:rPr lang="en-US" dirty="0" smtClean="0"/>
+              <a:t>Human Improved Search and Pattern Recognition</a:t>
+            </a:r>
+          </a:p>
+          <a:p>
+            <a:pPr lvl="1"/>
+            <a:r>
+              <a:rPr lang="en-US" dirty="0" smtClean="0"/>
+              <a:t>Human Improved AI, reward system</a:t>
+            </a:r>
+          </a:p>
+          <a:p>
+            <a:r>
+              <a:rPr lang="en-US" dirty="0" smtClean="0"/>
+              <a:t>Cooperation system</a:t>
+            </a:r>
+          </a:p>
+          <a:p>
+            <a:pPr lvl="1"/>
+            <a:r>
+              <a:rPr lang="en-US" dirty="0" smtClean="0"/>
+              <a:t>Storing the knowledge</a:t>
+            </a:r>
+          </a:p>
+          <a:p>
+            <a:pPr lvl="1"/>
+            <a:r>
+              <a:rPr lang="en-US" dirty="0" smtClean="0"/>
+              <a:t>Sharing the knowledge</a:t>
+            </a:r>
+          </a:p>
+          <a:p>
+            <a:pPr lvl="2"/>
+            <a:r>
+              <a:rPr lang="en-US" dirty="0" smtClean="0"/>
+              <a:t>Trend Analysis</a:t>
+            </a:r>
+          </a:p>
+          <a:p>
+            <a:pPr lvl="2"/>
+            <a:r>
+              <a:rPr lang="en-US" dirty="0" smtClean="0"/>
+              <a:t>Early Warning System</a:t>
+            </a:r>
+          </a:p>
+          <a:p>
+            <a:r>
+              <a:rPr lang="en-US" dirty="0" smtClean="0"/>
+              <a:t>Emergency Response, threat recognition</a:t>
+            </a:r>
+          </a:p>
+        </p:txBody>
+      </p:sp>
+    </p:spTree>
+    <p:extLst>
+      <p:ext uri="{BB962C8B-B14F-4D97-AF65-F5344CB8AC3E}">
+        <p14:creationId xmlns:p14="http://schemas.microsoft.com/office/powerpoint/2010/main" val="2354276061"/>
+      </p:ext>
+    </p:extLst>
+  </p:cSld>
+  <p:clrMapOvr>
+    <a:masterClrMapping/>
+  </p:clrMapOvr>
 </p:sld>
 </file>
 
